--- a/udemy/01_ArdiunoMeetsFreeRTOS/01_ArdiunoMeetsFreeRTOS.pptx
+++ b/udemy/01_ArdiunoMeetsFreeRTOS/01_ArdiunoMeetsFreeRTOS.pptx
@@ -5963,7 +5963,12 @@
             <p:ph idx="1"/>
           </p:nvPr>
         </p:nvSpPr>
-        <p:spPr/>
+        <p:spPr>
+          <a:xfrm>
+            <a:off x="685800" y="2194561"/>
+            <a:ext cx="10820400" cy="1782636"/>
+          </a:xfrm>
+        </p:spPr>
         <p:txBody>
           <a:bodyPr/>
           <a:lstStyle/>
@@ -5992,6 +5997,264 @@
             </a:r>
           </a:p>
           <a:p>
+            <a:endParaRPr lang="en-US" dirty="0"/>
+          </a:p>
+        </p:txBody>
+      </p:sp>
+      <p:sp>
+        <p:nvSpPr>
+          <p:cNvPr id="4" name="Title 1">
+            <a:extLst>
+              <a:ext uri="{FF2B5EF4-FFF2-40B4-BE49-F238E27FC236}">
+                <a16:creationId xmlns:a16="http://schemas.microsoft.com/office/drawing/2014/main" id="{D4983DF4-AE85-4EF2-BBDB-DC7E1CF5E3AA}"/>
+              </a:ext>
+            </a:extLst>
+          </p:cNvPr>
+          <p:cNvSpPr txBox="1">
+            <a:spLocks/>
+          </p:cNvSpPr>
+          <p:nvPr/>
+        </p:nvSpPr>
+        <p:spPr>
+          <a:xfrm>
+            <a:off x="2895600" y="4094979"/>
+            <a:ext cx="8610600" cy="1293028"/>
+          </a:xfrm>
+          <a:prstGeom prst="rect">
+            <a:avLst/>
+          </a:prstGeom>
+        </p:spPr>
+        <p:txBody>
+          <a:bodyPr vert="horz" lIns="91440" tIns="45720" rIns="91440" bIns="45720" rtlCol="0" anchor="ctr">
+            <a:normAutofit/>
+          </a:bodyPr>
+          <a:lstStyle>
+            <a:lvl1pPr algn="r" defTabSz="914400" rtl="0" eaLnBrk="1" latinLnBrk="0" hangingPunct="1">
+              <a:lnSpc>
+                <a:spcPct val="90000"/>
+              </a:lnSpc>
+              <a:spcBef>
+                <a:spcPct val="0"/>
+              </a:spcBef>
+              <a:buNone/>
+              <a:defRPr sz="4000" kern="1200" cap="all" baseline="0">
+                <a:solidFill>
+                  <a:schemeClr val="tx1"/>
+                </a:solidFill>
+                <a:latin typeface="+mj-lt"/>
+                <a:ea typeface="+mj-ea"/>
+                <a:cs typeface="+mj-cs"/>
+              </a:defRPr>
+            </a:lvl1pPr>
+          </a:lstStyle>
+          <a:p>
+            <a:r>
+              <a:rPr lang="en-US" dirty="0"/>
+              <a:t>SOFTWARE Required</a:t>
+            </a:r>
+          </a:p>
+        </p:txBody>
+      </p:sp>
+      <p:sp>
+        <p:nvSpPr>
+          <p:cNvPr id="5" name="Content Placeholder 2">
+            <a:extLst>
+              <a:ext uri="{FF2B5EF4-FFF2-40B4-BE49-F238E27FC236}">
+                <a16:creationId xmlns:a16="http://schemas.microsoft.com/office/drawing/2014/main" id="{0C0FC8A5-7CF3-4F0C-B73B-0F51FF51EE60}"/>
+              </a:ext>
+            </a:extLst>
+          </p:cNvPr>
+          <p:cNvSpPr txBox="1">
+            <a:spLocks/>
+          </p:cNvSpPr>
+          <p:nvPr/>
+        </p:nvSpPr>
+        <p:spPr>
+          <a:xfrm>
+            <a:off x="685800" y="4948118"/>
+            <a:ext cx="10820400" cy="1782636"/>
+          </a:xfrm>
+          <a:prstGeom prst="rect">
+            <a:avLst/>
+          </a:prstGeom>
+        </p:spPr>
+        <p:txBody>
+          <a:bodyPr vert="horz" lIns="91440" tIns="45720" rIns="91440" bIns="45720" rtlCol="0">
+            <a:normAutofit/>
+          </a:bodyPr>
+          <a:lstStyle>
+            <a:lvl1pPr marL="228600" indent="-228600" algn="l" defTabSz="914400" rtl="0" eaLnBrk="1" latinLnBrk="0" hangingPunct="1">
+              <a:lnSpc>
+                <a:spcPct val="90000"/>
+              </a:lnSpc>
+              <a:spcBef>
+                <a:spcPts val="1000"/>
+              </a:spcBef>
+              <a:buFont typeface="Arial" panose="020B0604020202020204" pitchFamily="34" charset="0"/>
+              <a:buChar char="•"/>
+              <a:defRPr sz="2200" kern="1200">
+                <a:solidFill>
+                  <a:schemeClr val="tx1"/>
+                </a:solidFill>
+                <a:latin typeface="+mn-lt"/>
+                <a:ea typeface="+mn-ea"/>
+                <a:cs typeface="+mn-cs"/>
+              </a:defRPr>
+            </a:lvl1pPr>
+            <a:lvl2pPr marL="685800" indent="-228600" algn="l" defTabSz="914400" rtl="0" eaLnBrk="1" latinLnBrk="0" hangingPunct="1">
+              <a:lnSpc>
+                <a:spcPct val="90000"/>
+              </a:lnSpc>
+              <a:spcBef>
+                <a:spcPts val="500"/>
+              </a:spcBef>
+              <a:buFont typeface="Arial" panose="020B0604020202020204" pitchFamily="34" charset="0"/>
+              <a:buChar char="•"/>
+              <a:defRPr sz="2000" kern="1200">
+                <a:solidFill>
+                  <a:schemeClr val="tx1"/>
+                </a:solidFill>
+                <a:latin typeface="+mn-lt"/>
+                <a:ea typeface="+mn-ea"/>
+                <a:cs typeface="+mn-cs"/>
+              </a:defRPr>
+            </a:lvl2pPr>
+            <a:lvl3pPr marL="1143000" indent="-228600" algn="l" defTabSz="914400" rtl="0" eaLnBrk="1" latinLnBrk="0" hangingPunct="1">
+              <a:lnSpc>
+                <a:spcPct val="90000"/>
+              </a:lnSpc>
+              <a:spcBef>
+                <a:spcPts val="500"/>
+              </a:spcBef>
+              <a:buFont typeface="Arial" panose="020B0604020202020204" pitchFamily="34" charset="0"/>
+              <a:buChar char="•"/>
+              <a:defRPr sz="1800" kern="1200">
+                <a:solidFill>
+                  <a:schemeClr val="tx1"/>
+                </a:solidFill>
+                <a:latin typeface="+mn-lt"/>
+                <a:ea typeface="+mn-ea"/>
+                <a:cs typeface="+mn-cs"/>
+              </a:defRPr>
+            </a:lvl3pPr>
+            <a:lvl4pPr marL="1600200" indent="-228600" algn="l" defTabSz="914400" rtl="0" eaLnBrk="1" latinLnBrk="0" hangingPunct="1">
+              <a:lnSpc>
+                <a:spcPct val="90000"/>
+              </a:lnSpc>
+              <a:spcBef>
+                <a:spcPts val="500"/>
+              </a:spcBef>
+              <a:buFont typeface="Arial" panose="020B0604020202020204" pitchFamily="34" charset="0"/>
+              <a:buChar char="•"/>
+              <a:defRPr sz="1600" kern="1200">
+                <a:solidFill>
+                  <a:schemeClr val="tx1"/>
+                </a:solidFill>
+                <a:latin typeface="+mn-lt"/>
+                <a:ea typeface="+mn-ea"/>
+                <a:cs typeface="+mn-cs"/>
+              </a:defRPr>
+            </a:lvl4pPr>
+            <a:lvl5pPr marL="2057400" indent="-228600" algn="l" defTabSz="914400" rtl="0" eaLnBrk="1" latinLnBrk="0" hangingPunct="1">
+              <a:lnSpc>
+                <a:spcPct val="90000"/>
+              </a:lnSpc>
+              <a:spcBef>
+                <a:spcPts val="500"/>
+              </a:spcBef>
+              <a:buFont typeface="Arial" panose="020B0604020202020204" pitchFamily="34" charset="0"/>
+              <a:buChar char="•"/>
+              <a:defRPr sz="1600" kern="1200">
+                <a:solidFill>
+                  <a:schemeClr val="tx1"/>
+                </a:solidFill>
+                <a:latin typeface="+mn-lt"/>
+                <a:ea typeface="+mn-ea"/>
+                <a:cs typeface="+mn-cs"/>
+              </a:defRPr>
+            </a:lvl5pPr>
+            <a:lvl6pPr marL="2514600" indent="-228600" algn="l" defTabSz="914400" rtl="0" eaLnBrk="1" latinLnBrk="0" hangingPunct="1">
+              <a:lnSpc>
+                <a:spcPct val="90000"/>
+              </a:lnSpc>
+              <a:spcBef>
+                <a:spcPts val="500"/>
+              </a:spcBef>
+              <a:buFont typeface="Arial" panose="020B0604020202020204" pitchFamily="34" charset="0"/>
+              <a:buChar char="•"/>
+              <a:defRPr sz="1600" kern="1200">
+                <a:solidFill>
+                  <a:schemeClr val="tx1"/>
+                </a:solidFill>
+                <a:latin typeface="+mn-lt"/>
+                <a:ea typeface="+mn-ea"/>
+                <a:cs typeface="+mn-cs"/>
+              </a:defRPr>
+            </a:lvl6pPr>
+            <a:lvl7pPr marL="2971800" indent="-228600" algn="l" defTabSz="914400" rtl="0" eaLnBrk="1" latinLnBrk="0" hangingPunct="1">
+              <a:lnSpc>
+                <a:spcPct val="90000"/>
+              </a:lnSpc>
+              <a:spcBef>
+                <a:spcPts val="500"/>
+              </a:spcBef>
+              <a:buFont typeface="Arial" panose="020B0604020202020204" pitchFamily="34" charset="0"/>
+              <a:buChar char="•"/>
+              <a:defRPr sz="1600" kern="1200">
+                <a:solidFill>
+                  <a:schemeClr val="tx1"/>
+                </a:solidFill>
+                <a:latin typeface="+mn-lt"/>
+                <a:ea typeface="+mn-ea"/>
+                <a:cs typeface="+mn-cs"/>
+              </a:defRPr>
+            </a:lvl7pPr>
+            <a:lvl8pPr marL="3429000" indent="-228600" algn="l" defTabSz="914400" rtl="0" eaLnBrk="1" latinLnBrk="0" hangingPunct="1">
+              <a:lnSpc>
+                <a:spcPct val="90000"/>
+              </a:lnSpc>
+              <a:spcBef>
+                <a:spcPts val="500"/>
+              </a:spcBef>
+              <a:buFont typeface="Arial" panose="020B0604020202020204" pitchFamily="34" charset="0"/>
+              <a:buChar char="•"/>
+              <a:defRPr sz="1600" kern="1200">
+                <a:solidFill>
+                  <a:schemeClr val="tx1"/>
+                </a:solidFill>
+                <a:latin typeface="+mn-lt"/>
+                <a:ea typeface="+mn-ea"/>
+                <a:cs typeface="+mn-cs"/>
+              </a:defRPr>
+            </a:lvl8pPr>
+            <a:lvl9pPr marL="3886200" indent="-228600" algn="l" defTabSz="914400" rtl="0" eaLnBrk="1" latinLnBrk="0" hangingPunct="1">
+              <a:lnSpc>
+                <a:spcPct val="90000"/>
+              </a:lnSpc>
+              <a:spcBef>
+                <a:spcPts val="500"/>
+              </a:spcBef>
+              <a:buFont typeface="Arial" panose="020B0604020202020204" pitchFamily="34" charset="0"/>
+              <a:buChar char="•"/>
+              <a:defRPr sz="1600" kern="1200">
+                <a:solidFill>
+                  <a:schemeClr val="tx1"/>
+                </a:solidFill>
+                <a:latin typeface="+mn-lt"/>
+                <a:ea typeface="+mn-ea"/>
+                <a:cs typeface="+mn-cs"/>
+              </a:defRPr>
+            </a:lvl9pPr>
+          </a:lstStyle>
+          <a:p>
+            <a:r>
+              <a:rPr lang="en-US" dirty="0"/>
+              <a:t>Free RTOS library – </a:t>
+            </a:r>
+            <a:r>
+              <a:rPr lang="en-US"/>
+              <a:t>by Richard Barry</a:t>
+            </a:r>
             <a:endParaRPr lang="en-US" dirty="0"/>
           </a:p>
         </p:txBody>
@@ -7475,7 +7738,7 @@
           <a:graphicData uri="http://schemas.openxmlformats.org/presentationml/2006/ole">
             <mc:AlternateContent xmlns:mc="http://schemas.openxmlformats.org/markup-compatibility/2006">
               <mc:Choice xmlns:v="urn:schemas-microsoft-com:vml" Requires="v">
-                <p:oleObj spid="_x0000_s1036" name="Packager Shell Object" showAsIcon="1" r:id="rId3" imgW="955800" imgH="394560" progId="Package">
+                <p:oleObj spid="_x0000_s1038" name="Packager Shell Object" showAsIcon="1" r:id="rId3" imgW="955800" imgH="394560" progId="Package">
                   <p:embed/>
                 </p:oleObj>
               </mc:Choice>
@@ -7538,7 +7801,7 @@
           <a:graphicData uri="http://schemas.openxmlformats.org/presentationml/2006/ole">
             <mc:AlternateContent xmlns:mc="http://schemas.openxmlformats.org/markup-compatibility/2006">
               <mc:Choice xmlns:v="urn:schemas-microsoft-com:vml" Requires="v">
-                <p:oleObj spid="_x0000_s1037" name="Packager Shell Object" showAsIcon="1" r:id="rId5" imgW="1668600" imgH="394560" progId="Package">
+                <p:oleObj spid="_x0000_s1039" name="Packager Shell Object" showAsIcon="1" r:id="rId5" imgW="1668600" imgH="394560" progId="Package">
                   <p:embed/>
                 </p:oleObj>
               </mc:Choice>
